--- a/rid_2022_seminarski/mi17167_Rondovic_Petar/Predavanje_2/Prezentacija/Kriptovalute.pptx
+++ b/rid_2022_seminarski/mi17167_Rondovic_Petar/Predavanje_2/Prezentacija/Kriptovalute.pptx
@@ -7326,8 +7326,8 @@
         </p:nvSpPr>
         <p:spPr>
           <a:xfrm>
-            <a:off x="121225" y="3519850"/>
-            <a:ext cx="3525600" cy="1610700"/>
+            <a:off x="129300" y="3715175"/>
+            <a:ext cx="5118900" cy="1309800"/>
           </a:xfrm>
           <a:prstGeom prst="rect">
             <a:avLst/>
@@ -7690,7 +7690,7 @@
               <a:buNone/>
             </a:pPr>
             <a:r>
-              <a:rPr lang="en" sz="1600">
+              <a:rPr i="1" lang="en" sz="1600">
                 <a:solidFill>
                   <a:schemeClr val="accent3"/>
                 </a:solidFill>
@@ -7701,7 +7701,7 @@
               </a:rPr>
               <a:t>Bitcoin</a:t>
             </a:r>
-            <a:endParaRPr sz="1600">
+            <a:endParaRPr i="1" sz="1600">
               <a:solidFill>
                 <a:schemeClr val="accent3"/>
               </a:solidFill>
@@ -7748,7 +7748,7 @@
               <a:buNone/>
             </a:pPr>
             <a:r>
-              <a:rPr lang="en" sz="1600">
+              <a:rPr i="1" lang="en" sz="1600">
                 <a:solidFill>
                   <a:schemeClr val="accent3"/>
                 </a:solidFill>
@@ -7759,7 +7759,7 @@
               </a:rPr>
               <a:t>Ethereum</a:t>
             </a:r>
-            <a:endParaRPr sz="1600">
+            <a:endParaRPr i="1" sz="1600">
               <a:solidFill>
                 <a:schemeClr val="accent3"/>
               </a:solidFill>
@@ -7806,7 +7806,7 @@
               <a:buNone/>
             </a:pPr>
             <a:r>
-              <a:rPr lang="en" sz="1600">
+              <a:rPr i="1" lang="en" sz="1600">
                 <a:solidFill>
                   <a:schemeClr val="accent3"/>
                 </a:solidFill>
@@ -7817,7 +7817,7 @@
               </a:rPr>
               <a:t>Cardano</a:t>
             </a:r>
-            <a:endParaRPr sz="1600">
+            <a:endParaRPr i="1" sz="1600">
               <a:solidFill>
                 <a:schemeClr val="accent3"/>
               </a:solidFill>
@@ -7864,7 +7864,7 @@
               <a:buNone/>
             </a:pPr>
             <a:r>
-              <a:rPr lang="en" sz="1600">
+              <a:rPr i="1" lang="en" sz="1600">
                 <a:solidFill>
                   <a:schemeClr val="accent3"/>
                 </a:solidFill>
@@ -7875,7 +7875,7 @@
               </a:rPr>
               <a:t>Litecoin</a:t>
             </a:r>
-            <a:endParaRPr sz="1600">
+            <a:endParaRPr i="1" sz="1600">
               <a:solidFill>
                 <a:schemeClr val="accent3"/>
               </a:solidFill>
@@ -7945,10 +7945,10 @@
               <a:buNone/>
             </a:pPr>
             <a:r>
-              <a:rPr lang="en"/>
+              <a:rPr i="1" lang="en"/>
               <a:t>NFT (Non Fungible Token)</a:t>
             </a:r>
-            <a:endParaRPr/>
+            <a:endParaRPr i="1"/>
           </a:p>
         </p:txBody>
       </p:sp>
@@ -7985,8 +7985,20 @@
               <a:buNone/>
             </a:pPr>
             <a:r>
+              <a:rPr i="1" lang="en"/>
+              <a:t>NFT </a:t>
+            </a:r>
+            <a:r>
               <a:rPr lang="en"/>
-              <a:t>NFT su tokeni zasnovani na blockchain tehnologiji koji reprezentuju jedinstvenu imovinu kao sto je umetničko delo ili digitalni sadržaj. Moze se smatrati trajnim digitalnim sertifikatom vlasništva neke imovine, bilo fizičke ili digitalne.</a:t>
+              <a:t>su tokeni zasnovani na </a:t>
+            </a:r>
+            <a:r>
+              <a:rPr i="1" lang="en"/>
+              <a:t>blockchain </a:t>
+            </a:r>
+            <a:r>
+              <a:rPr lang="en"/>
+              <a:t>tehnologiji koji reprezentuju jedinstvenu imovinu kao što je umetničko delo ili digitalni sadržaj. Moze se smatrati trajnim digitalnim sertifikatom vlasništva neke imovine, bilo fizičke ili digitalne.</a:t>
             </a:r>
             <a:endParaRPr/>
           </a:p>
@@ -8018,7 +8030,23 @@
             </a:pPr>
             <a:r>
               <a:rPr lang="en"/>
-              <a:t>Kreiraju se tako što vlasnik potpiše blockchain transakciju koja sadrži fundamentalne detalje tokena, koja se emituje blockchain-u koji aktivira funkciju pravljenja tokena i pripisuje ga odgovarajućem vlasniku.</a:t>
+              <a:t>Kreiraju se tako što vlasnik potpiše </a:t>
+            </a:r>
+            <a:r>
+              <a:rPr i="1" lang="en"/>
+              <a:t>blockchain</a:t>
+            </a:r>
+            <a:r>
+              <a:rPr lang="en"/>
+              <a:t> transakciju koja sadrži fundamentalne detalje tokena, koja se emituje </a:t>
+            </a:r>
+            <a:r>
+              <a:rPr i="1" lang="en"/>
+              <a:t>blockchain</a:t>
+            </a:r>
+            <a:r>
+              <a:rPr lang="en"/>
+              <a:t>-u koji aktivira funkciju pravljenja tokena i pripisuje ga odgovarajućem vlasniku.</a:t>
             </a:r>
             <a:endParaRPr/>
           </a:p>
@@ -8161,7 +8189,79 @@
                 <a:cs typeface="Average"/>
                 <a:sym typeface="Average"/>
               </a:rPr>
-              <a:t>Vlasnik twitter-a je prodao NFT svog prvog tweet-a za 2.9 miliona dolara</a:t>
+              <a:t>Vlasnik </a:t>
+            </a:r>
+            <a:r>
+              <a:rPr i="1" lang="en" sz="1600">
+                <a:solidFill>
+                  <a:schemeClr val="accent3"/>
+                </a:solidFill>
+                <a:latin typeface="Average"/>
+                <a:ea typeface="Average"/>
+                <a:cs typeface="Average"/>
+                <a:sym typeface="Average"/>
+              </a:rPr>
+              <a:t>twitter</a:t>
+            </a:r>
+            <a:r>
+              <a:rPr lang="en" sz="1600">
+                <a:solidFill>
+                  <a:schemeClr val="accent3"/>
+                </a:solidFill>
+                <a:latin typeface="Average"/>
+                <a:ea typeface="Average"/>
+                <a:cs typeface="Average"/>
+                <a:sym typeface="Average"/>
+              </a:rPr>
+              <a:t>-a je prodao </a:t>
+            </a:r>
+            <a:r>
+              <a:rPr i="1" lang="en" sz="1600">
+                <a:solidFill>
+                  <a:schemeClr val="accent3"/>
+                </a:solidFill>
+                <a:latin typeface="Average"/>
+                <a:ea typeface="Average"/>
+                <a:cs typeface="Average"/>
+                <a:sym typeface="Average"/>
+              </a:rPr>
+              <a:t>NFT</a:t>
+            </a:r>
+            <a:r>
+              <a:rPr lang="en" sz="1600">
+                <a:solidFill>
+                  <a:schemeClr val="accent3"/>
+                </a:solidFill>
+                <a:latin typeface="Average"/>
+                <a:ea typeface="Average"/>
+                <a:cs typeface="Average"/>
+                <a:sym typeface="Average"/>
+              </a:rPr>
+              <a:t> svog prvog </a:t>
+            </a:r>
+            <a:r>
+              <a:rPr i="1" lang="en" sz="1600">
+                <a:solidFill>
+                  <a:schemeClr val="accent3"/>
+                </a:solidFill>
+                <a:latin typeface="Average"/>
+                <a:ea typeface="Average"/>
+                <a:cs typeface="Average"/>
+                <a:sym typeface="Average"/>
+              </a:rPr>
+              <a:t>tweet</a:t>
+            </a:r>
+            <a:r>
+              <a:rPr lang="en" sz="1600">
+                <a:solidFill>
+                  <a:schemeClr val="accent3"/>
+                </a:solidFill>
+                <a:latin typeface="Average"/>
+                <a:ea typeface="Average"/>
+                <a:cs typeface="Average"/>
+                <a:sym typeface="Average"/>
+              </a:rPr>
+              <a:t>-a za 2.9 miliona dolara</a:t>
             </a:r>
             <a:endParaRPr sz="1600">
               <a:solidFill>
@@ -8247,7 +8347,31 @@
                 <a:cs typeface="Average"/>
                 <a:sym typeface="Average"/>
               </a:rPr>
-              <a:t>Jedan umetnik je prodao NFT svih svojih dela za priblizno 69 miliona dolara</a:t>
+              <a:t>Jedan umetnik je prodao </a:t>
+            </a:r>
+            <a:r>
+              <a:rPr i="1" lang="en" sz="1600">
+                <a:solidFill>
+                  <a:schemeClr val="accent3"/>
+                </a:solidFill>
+                <a:latin typeface="Average"/>
+                <a:ea typeface="Average"/>
+                <a:cs typeface="Average"/>
+                <a:sym typeface="Average"/>
+              </a:rPr>
+              <a:t>NFT</a:t>
+            </a:r>
+            <a:r>
+              <a:rPr lang="en" sz="1600">
+                <a:solidFill>
+                  <a:schemeClr val="accent3"/>
+                </a:solidFill>
+                <a:latin typeface="Average"/>
+                <a:ea typeface="Average"/>
+                <a:cs typeface="Average"/>
+                <a:sym typeface="Average"/>
+              </a:rPr>
+              <a:t> svih svojih dela za priblizno 69 miliona dolara</a:t>
             </a:r>
             <a:endParaRPr sz="1600">
               <a:solidFill>
@@ -9049,7 +9173,7 @@
             </a:pPr>
             <a:r>
               <a:rPr lang="en"/>
-              <a:t>Svodi se na to da banke u svojim bazama podataka prate transakcije i održavaju stanja računa svojih korisnika.</a:t>
+              <a:t>Svodi se na to da banke u svojim bazama podataka prate transakcije i održavaju stanje računa svojih korisnika.</a:t>
             </a:r>
             <a:endParaRPr/>
           </a:p>
@@ -9524,8 +9648,12 @@
               <a:buNone/>
             </a:pPr>
             <a:r>
+              <a:rPr i="1" lang="en"/>
+              <a:t>Blockchain</a:t>
+            </a:r>
+            <a:r>
               <a:rPr lang="en"/>
-              <a:t>Blockchain je konkretan oblik organizacije glavne knjige.</a:t>
+              <a:t> je konkretan oblik organizacije glavne knjige.</a:t>
             </a:r>
             <a:endParaRPr/>
           </a:p>
@@ -9557,7 +9685,15 @@
             </a:pPr>
             <a:r>
               <a:rPr lang="en"/>
-              <a:t>Softver zapisuje nove transakcije nakon čega ažurira sve kopije blockchain-a.</a:t>
+              <a:t>Softver zapisuje nove transakcije nakon čega ažurira sve kopije </a:t>
+            </a:r>
+            <a:r>
+              <a:rPr i="1" lang="en"/>
+              <a:t>blockchain</a:t>
+            </a:r>
+            <a:r>
+              <a:rPr lang="en"/>
+              <a:t>-a.</a:t>
             </a:r>
             <a:endParaRPr/>
           </a:p>
@@ -9573,9 +9709,21 @@
             </a:pPr>
             <a:r>
               <a:rPr lang="en"/>
-              <a:t>Za sprečavanje prevara, koristi se jedna od dve tehnike validacije: proof of work ili proof of stake</a:t>
+              <a:t>Za sprečavanje prevara, koristi se jedna od dve tehnike validacije: </a:t>
             </a:r>
-            <a:endParaRPr/>
+            <a:r>
+              <a:rPr i="1" lang="en"/>
+              <a:t>proof of work</a:t>
+            </a:r>
+            <a:r>
+              <a:rPr lang="en"/>
+              <a:t> ili </a:t>
+            </a:r>
+            <a:r>
+              <a:rPr i="1" lang="en"/>
+              <a:t>proof of stake</a:t>
+            </a:r>
+            <a:endParaRPr i="1"/>
           </a:p>
         </p:txBody>
       </p:sp>
@@ -9705,14 +9853,14 @@
               <a:buNone/>
             </a:pPr>
             <a:r>
-              <a:rPr b="1" lang="en" sz="2100">
+              <a:rPr b="1" i="1" lang="en" sz="2100">
                 <a:solidFill>
                   <a:schemeClr val="dk1"/>
                 </a:solidFill>
               </a:rPr>
               <a:t>Proof of work</a:t>
             </a:r>
-            <a:endParaRPr b="1" sz="2100">
+            <a:endParaRPr b="1" i="1" sz="2100">
               <a:solidFill>
                 <a:schemeClr val="dk1"/>
               </a:solidFill>
@@ -9730,7 +9878,7 @@
             </a:pPr>
             <a:r>
               <a:rPr lang="en" sz="1600"/>
-              <a:t>Ovo je tehnika gde se generise matematički problem za koji se računari trkaju da ga reše.</a:t>
+              <a:t>Ovo je tehnika gde se generiše matematički problem za koji se računari trkaju da ga reše.</a:t>
             </a:r>
             <a:endParaRPr sz="1600"/>
           </a:p>
@@ -9762,7 +9910,7 @@
             </a:pPr>
             <a:r>
               <a:rPr lang="en" sz="1600"/>
-              <a:t>Racunar koji prvi reši problem je nagrađen.</a:t>
+              <a:t>Računar koji prvi reši problem je nagrađen.</a:t>
             </a:r>
             <a:endParaRPr sz="1600"/>
           </a:p>
@@ -9801,14 +9949,14 @@
               <a:buNone/>
             </a:pPr>
             <a:r>
-              <a:rPr b="1" lang="en" sz="2100">
+              <a:rPr b="1" i="1" lang="en" sz="2100">
                 <a:solidFill>
                   <a:schemeClr val="dk1"/>
                 </a:solidFill>
               </a:rPr>
               <a:t>Proof of stake</a:t>
             </a:r>
-            <a:endParaRPr b="1" sz="2100">
+            <a:endParaRPr b="1" i="1" sz="2100">
               <a:solidFill>
                 <a:schemeClr val="dk1"/>
               </a:solidFill>
@@ -9923,7 +10071,31 @@
                 <a:cs typeface="Average"/>
                 <a:sym typeface="Average"/>
               </a:rPr>
-              <a:t>Učestvovanje u validaciji se naziva rudarenje (mining) i nagrađuje se kriptovalutom.</a:t>
+              <a:t>Učestvovanje u validaciji se naziva rudarenje (</a:t>
+            </a:r>
+            <a:r>
+              <a:rPr i="1" lang="en" sz="1600">
+                <a:solidFill>
+                  <a:schemeClr val="accent3"/>
+                </a:solidFill>
+                <a:latin typeface="Average"/>
+                <a:ea typeface="Average"/>
+                <a:cs typeface="Average"/>
+                <a:sym typeface="Average"/>
+              </a:rPr>
+              <a:t>mining</a:t>
+            </a:r>
+            <a:r>
+              <a:rPr lang="en" sz="1600">
+                <a:solidFill>
+                  <a:schemeClr val="accent3"/>
+                </a:solidFill>
+                <a:latin typeface="Average"/>
+                <a:ea typeface="Average"/>
+                <a:cs typeface="Average"/>
+                <a:sym typeface="Average"/>
+              </a:rPr>
+              <a:t>) i nagrađuje se kriptovalutom.</a:t>
             </a:r>
             <a:endParaRPr sz="1600">
               <a:solidFill>
@@ -10000,9 +10172,9 @@
                   <a:schemeClr val="dk1"/>
                 </a:solidFill>
               </a:rPr>
-              <a:t>Prednosti</a:t>
+              <a:t>Prednosti kriptovaluta</a:t>
             </a:r>
-            <a:endParaRPr sz="1600"/>
+            <a:endParaRPr b="1" sz="1600"/>
           </a:p>
           <a:p>
             <a:pPr indent="-330200" lvl="0" marL="457200" rtl="0" algn="l">
@@ -10035,6 +10207,23 @@
             <a:r>
               <a:rPr lang="en" sz="1600"/>
               <a:t>Nisu potrebne banke</a:t>
+            </a:r>
+            <a:endParaRPr sz="1600"/>
+          </a:p>
+          <a:p>
+            <a:pPr indent="-330200" lvl="0" marL="457200" rtl="0" algn="l">
+              <a:spcBef>
+                <a:spcPts val="0"/>
+              </a:spcBef>
+              <a:spcAft>
+                <a:spcPts val="0"/>
+              </a:spcAft>
+              <a:buSzPts val="1600"/>
+              <a:buChar char="●"/>
+            </a:pPr>
+            <a:r>
+              <a:rPr lang="en" sz="1600"/>
+              <a:t>Internacionalna plaćanja bez brige o kursevima valuta</a:t>
             </a:r>
             <a:endParaRPr sz="1600"/>
           </a:p>
@@ -10078,7 +10267,7 @@
                   <a:schemeClr val="dk1"/>
                 </a:solidFill>
               </a:rPr>
-              <a:t>Mane</a:t>
+              <a:t>Mane kriptovaluta</a:t>
             </a:r>
             <a:endParaRPr b="1" sz="2100">
               <a:solidFill>
@@ -10099,7 +10288,7 @@
             </a:pPr>
             <a:r>
               <a:rPr lang="en" sz="1600"/>
-              <a:t>Troši puno energije</a:t>
+              <a:t>Troše puno energije</a:t>
             </a:r>
             <a:endParaRPr sz="1600"/>
           </a:p>
@@ -10133,7 +10322,7 @@
             </a:pPr>
             <a:r>
               <a:rPr lang="en" sz="1600"/>
-              <a:t>Ne mogu da se koriste za sve</a:t>
+              <a:t>Nisu prihvaćene svuda</a:t>
             </a:r>
             <a:endParaRPr sz="1600"/>
           </a:p>
@@ -10148,6 +10337,285 @@
 </file>
 
 <file path=ppt/theme/theme1.xml><?xml version="1.0" encoding="utf-8"?>
+<a:theme xmlns:a="http://schemas.openxmlformats.org/drawingml/2006/main" xmlns:r="http://schemas.openxmlformats.org/officeDocument/2006/relationships">
+  <a:themeElements>
+    <a:clrScheme name="Default">
+      <a:dk1>
+        <a:srgbClr val="000000"/>
+      </a:dk1>
+      <a:lt1>
+        <a:srgbClr val="FFFFFF"/>
+      </a:lt1>
+      <a:dk2>
+        <a:srgbClr val="158158"/>
+      </a:dk2>
+      <a:lt2>
+        <a:srgbClr val="F3F3F3"/>
+      </a:lt2>
+      <a:accent1>
+        <a:srgbClr val="058DC7"/>
+      </a:accent1>
+      <a:accent2>
+        <a:srgbClr val="50B432"/>
+      </a:accent2>
+      <a:accent3>
+        <a:srgbClr val="ED561B"/>
+      </a:accent3>
+      <a:accent4>
+        <a:srgbClr val="EDEF00"/>
+      </a:accent4>
+      <a:accent5>
+        <a:srgbClr val="24CBE5"/>
+      </a:accent5>
+      <a:accent6>
+        <a:srgbClr val="64E572"/>
+      </a:accent6>
+      <a:hlink>
+        <a:srgbClr val="2200CC"/>
+      </a:hlink>
+      <a:folHlink>
+        <a:srgbClr val="551A8B"/>
+      </a:folHlink>
+    </a:clrScheme>
+    <a:fontScheme name="Office">
+      <a:majorFont>
+        <a:latin typeface="Arial"/>
+        <a:ea typeface=""/>
+        <a:cs typeface=""/>
+        <a:font script="Jpan" typeface="ＭＳ Ｐゴシック"/>
+        <a:font script="Hang" typeface="맑은 고딕"/>
+        <a:font script="Hans" typeface="宋体"/>
+        <a:font script="Hant" typeface="新細明體"/>
+        <a:font script="Arab" typeface="Times New Roman"/>
+        <a:font script="Hebr" typeface="Times New Roman"/>
+        <a:font script="Thai" typeface="Angsana New"/>
+        <a:font script="Ethi" typeface="Nyala"/>
+        <a:font script="Beng" typeface="Vrinda"/>
+        <a:font script="Gujr" typeface="Shruti"/>
+        <a:font script="Khmr" typeface="MoolBoran"/>
+        <a:font script="Knda" typeface="Tunga"/>
+        <a:font script="Guru" typeface="Raavi"/>
+        <a:font script="Cans" typeface="Euphemia"/>
+        <a:font script="Cher" typeface="Plantagenet Cherokee"/>
+        <a:font script="Yiii" typeface="Microsoft Yi Baiti"/>
+        <a:font script="Tibt" typeface="Microsoft Himalaya"/>
+        <a:font script="Thaa" typeface="MV Boli"/>
+        <a:font script="Deva" typeface="Mangal"/>
+        <a:font script="Telu" typeface="Gautami"/>
+        <a:font script="Taml" typeface="Latha"/>
+        <a:font script="Syrc" typeface="Estrangelo Edessa"/>
+        <a:font script="Orya" typeface="Kalinga"/>
+        <a:font script="Mlym" typeface="Kartika"/>
+        <a:font script="Laoo" typeface="DokChampa"/>
+        <a:font script="Sinh" typeface="Iskoola Pota"/>
+        <a:font script="Mong" typeface="Mongolian Baiti"/>
+        <a:font script="Viet" typeface="Times New Roman"/>
+        <a:font script="Uigh" typeface="Microsoft Uighur"/>
+        <a:font script="Geor" typeface="Sylfaen"/>
+      </a:majorFont>
+      <a:minorFont>
+        <a:latin typeface="Arial"/>
+        <a:ea typeface=""/>
+        <a:cs typeface=""/>
+        <a:font script="Jpan" typeface="ＭＳ Ｐゴシック"/>
+        <a:font script="Hang" typeface="맑은 고딕"/>
+        <a:font script="Hans" typeface="宋体"/>
+        <a:font script="Hant" typeface="新細明體"/>
+        <a:font script="Arab" typeface="Arial"/>
+        <a:font script="Hebr" typeface="Arial"/>
+        <a:font script="Thai" typeface="Cordia New"/>
+        <a:font script="Ethi" typeface="Nyala"/>
+        <a:font script="Beng" typeface="Vrinda"/>
+        <a:font script="Gujr" typeface="Shruti"/>
+        <a:font script="Khmr" typeface="DaunPenh"/>
+        <a:font script="Knda" typeface="Tunga"/>
+        <a:font script="Guru" typeface="Raavi"/>
+        <a:font script="Cans" typeface="Euphemia"/>
+        <a:font script="Cher" typeface="Plantagenet Cherokee"/>
+        <a:font script="Yiii" typeface="Microsoft Yi Baiti"/>
+        <a:font script="Tibt" typeface="Microsoft Himalaya"/>
+        <a:font script="Thaa" typeface="MV Boli"/>
+        <a:font script="Deva" typeface="Mangal"/>
+        <a:font script="Telu" typeface="Gautami"/>
+        <a:font script="Taml" typeface="Latha"/>
+        <a:font script="Syrc" typeface="Estrangelo Edessa"/>
+        <a:font script="Orya" typeface="Kalinga"/>
+        <a:font script="Mlym" typeface="Kartika"/>
+        <a:font script="Laoo" typeface="DokChampa"/>
+        <a:font script="Sinh" typeface="Iskoola Pota"/>
+        <a:font script="Mong" typeface="Mongolian Baiti"/>
+        <a:font script="Viet" typeface="Arial"/>
+        <a:font script="Uigh" typeface="Microsoft Uighur"/>
+        <a:font script="Geor" typeface="Sylfaen"/>
+      </a:minorFont>
+    </a:fontScheme>
+    <a:fmtScheme name="Office">
+      <a:fillStyleLst>
+        <a:solidFill>
+          <a:schemeClr val="phClr"/>
+        </a:solidFill>
+        <a:gradFill rotWithShape="1">
+          <a:gsLst>
+            <a:gs pos="0">
+              <a:schemeClr val="phClr">
+                <a:tint val="50000"/>
+                <a:satMod val="300000"/>
+              </a:schemeClr>
+            </a:gs>
+            <a:gs pos="35000">
+              <a:schemeClr val="phClr">
+                <a:tint val="37000"/>
+                <a:satMod val="300000"/>
+              </a:schemeClr>
+            </a:gs>
+            <a:gs pos="100000">
+              <a:schemeClr val="phClr">
+                <a:tint val="15000"/>
+                <a:satMod val="350000"/>
+              </a:schemeClr>
+            </a:gs>
+          </a:gsLst>
+          <a:lin ang="16200000" scaled="1"/>
+        </a:gradFill>
+        <a:gradFill rotWithShape="1">
+          <a:gsLst>
+            <a:gs pos="0">
+              <a:schemeClr val="phClr">
+                <a:tint val="100000"/>
+                <a:shade val="100000"/>
+                <a:satMod val="130000"/>
+              </a:schemeClr>
+            </a:gs>
+            <a:gs pos="100000">
+              <a:schemeClr val="phClr">
+                <a:tint val="50000"/>
+                <a:shade val="100000"/>
+                <a:satMod val="350000"/>
+              </a:schemeClr>
+            </a:gs>
+          </a:gsLst>
+          <a:lin ang="16200000" scaled="0"/>
+        </a:gradFill>
+      </a:fillStyleLst>
+      <a:lnStyleLst>
+        <a:ln w="9525" cap="flat" cmpd="sng" algn="ctr">
+          <a:solidFill>
+            <a:schemeClr val="phClr">
+              <a:shade val="95000"/>
+              <a:satMod val="105000"/>
+            </a:schemeClr>
+          </a:solidFill>
+          <a:prstDash val="solid"/>
+        </a:ln>
+        <a:ln w="25400" cap="flat" cmpd="sng" algn="ctr">
+          <a:solidFill>
+            <a:schemeClr val="phClr"/>
+          </a:solidFill>
+          <a:prstDash val="solid"/>
+        </a:ln>
+        <a:ln w="38100" cap="flat" cmpd="sng" algn="ctr">
+          <a:solidFill>
+            <a:schemeClr val="phClr"/>
+          </a:solidFill>
+          <a:prstDash val="solid"/>
+        </a:ln>
+      </a:lnStyleLst>
+      <a:effectStyleLst>
+        <a:effectStyle>
+          <a:effectLst>
+            <a:outerShdw blurRad="40000" dist="20000" dir="5400000" rotWithShape="0">
+              <a:srgbClr val="000000">
+                <a:alpha val="38000"/>
+              </a:srgbClr>
+            </a:outerShdw>
+          </a:effectLst>
+        </a:effectStyle>
+        <a:effectStyle>
+          <a:effectLst>
+            <a:outerShdw blurRad="40000" dist="23000" dir="5400000" rotWithShape="0">
+              <a:srgbClr val="000000">
+                <a:alpha val="35000"/>
+              </a:srgbClr>
+            </a:outerShdw>
+          </a:effectLst>
+        </a:effectStyle>
+        <a:effectStyle>
+          <a:effectLst>
+            <a:outerShdw blurRad="40000" dist="23000" dir="5400000" rotWithShape="0">
+              <a:srgbClr val="000000">
+                <a:alpha val="35000"/>
+              </a:srgbClr>
+            </a:outerShdw>
+          </a:effectLst>
+          <a:scene3d>
+            <a:camera prst="orthographicFront">
+              <a:rot lat="0" lon="0" rev="0"/>
+            </a:camera>
+            <a:lightRig rig="threePt" dir="t">
+              <a:rot lat="0" lon="0" rev="1200000"/>
+            </a:lightRig>
+          </a:scene3d>
+          <a:sp3d>
+            <a:bevelT w="63500" h="25400"/>
+          </a:sp3d>
+        </a:effectStyle>
+      </a:effectStyleLst>
+      <a:bgFillStyleLst>
+        <a:solidFill>
+          <a:schemeClr val="phClr"/>
+        </a:solidFill>
+        <a:gradFill rotWithShape="1">
+          <a:gsLst>
+            <a:gs pos="0">
+              <a:schemeClr val="phClr">
+                <a:tint val="40000"/>
+                <a:satMod val="350000"/>
+              </a:schemeClr>
+            </a:gs>
+            <a:gs pos="40000">
+              <a:schemeClr val="phClr">
+                <a:tint val="45000"/>
+                <a:shade val="99000"/>
+                <a:satMod val="350000"/>
+              </a:schemeClr>
+            </a:gs>
+            <a:gs pos="100000">
+              <a:schemeClr val="phClr">
+                <a:shade val="20000"/>
+                <a:satMod val="255000"/>
+              </a:schemeClr>
+            </a:gs>
+          </a:gsLst>
+          <a:path path="circle">
+            <a:fillToRect l="50000" t="-80000" r="50000" b="180000"/>
+          </a:path>
+        </a:gradFill>
+        <a:gradFill rotWithShape="1">
+          <a:gsLst>
+            <a:gs pos="0">
+              <a:schemeClr val="phClr">
+                <a:tint val="80000"/>
+                <a:satMod val="300000"/>
+              </a:schemeClr>
+            </a:gs>
+            <a:gs pos="100000">
+              <a:schemeClr val="phClr">
+                <a:shade val="30000"/>
+                <a:satMod val="200000"/>
+              </a:schemeClr>
+            </a:gs>
+          </a:gsLst>
+          <a:path path="circle">
+            <a:fillToRect l="50000" t="50000" r="50000" b="50000"/>
+          </a:path>
+        </a:gradFill>
+      </a:bgFillStyleLst>
+    </a:fmtScheme>
+  </a:themeElements>
+</a:theme>
+</file>
+
+<file path=ppt/theme/theme2.xml><?xml version="1.0" encoding="utf-8"?>
 <a:theme xmlns:a="http://schemas.openxmlformats.org/drawingml/2006/main" xmlns:r="http://schemas.openxmlformats.org/officeDocument/2006/relationships" name="Slate">
   <a:themeElements>
     <a:clrScheme name="Slate">
@@ -10424,283 +10892,4 @@
     </a:fmtScheme>
   </a:themeElements>
 </a:theme>
-</file>
-
-<file path=ppt/theme/theme2.xml><?xml version="1.0" encoding="utf-8"?>
-<a:theme xmlns:a="http://schemas.openxmlformats.org/drawingml/2006/main" xmlns:r="http://schemas.openxmlformats.org/officeDocument/2006/relationships">
-  <a:themeElements>
-    <a:clrScheme name="Default">
-      <a:dk1>
-        <a:srgbClr val="000000"/>
-      </a:dk1>
-      <a:lt1>
-        <a:srgbClr val="FFFFFF"/>
-      </a:lt1>
-      <a:dk2>
-        <a:srgbClr val="158158"/>
-      </a:dk2>
-      <a:lt2>
-        <a:srgbClr val="F3F3F3"/>
-      </a:lt2>
-      <a:accent1>
-        <a:srgbClr val="058DC7"/>
-      </a:accent1>
-      <a:accent2>
-        <a:srgbClr val="50B432"/>
-      </a:accent2>
-      <a:accent3>
-        <a:srgbClr val="ED561B"/>
-      </a:accent3>
-      <a:accent4>
-        <a:srgbClr val="EDEF00"/>
-      </a:accent4>
-      <a:accent5>
-        <a:srgbClr val="24CBE5"/>
-      </a:accent5>
-      <a:accent6>
-        <a:srgbClr val="64E572"/>
-      </a:accent6>
-      <a:hlink>
-        <a:srgbClr val="2200CC"/>
-      </a:hlink>
-      <a:folHlink>
-        <a:srgbClr val="551A8B"/>
-      </a:folHlink>
-    </a:clrScheme>
-    <a:fontScheme name="Office">
-      <a:majorFont>
-        <a:latin typeface="Arial"/>
-        <a:ea typeface=""/>
-        <a:cs typeface=""/>
-        <a:font script="Jpan" typeface="ＭＳ Ｐゴシック"/>
-        <a:font script="Hang" typeface="맑은 고딕"/>
-        <a:font script="Hans" typeface="宋体"/>
-        <a:font script="Hant" typeface="新細明體"/>
-        <a:font script="Arab" typeface="Times New Roman"/>
-        <a:font script="Hebr" typeface="Times New Roman"/>
-        <a:font script="Thai" typeface="Angsana New"/>
-        <a:font script="Ethi" typeface="Nyala"/>
-        <a:font script="Beng" typeface="Vrinda"/>
-        <a:font script="Gujr" typeface="Shruti"/>
-        <a:font script="Khmr" typeface="MoolBoran"/>
-        <a:font script="Knda" typeface="Tunga"/>
-        <a:font script="Guru" typeface="Raavi"/>
-        <a:font script="Cans" typeface="Euphemia"/>
-        <a:font script="Cher" typeface="Plantagenet Cherokee"/>
-        <a:font script="Yiii" typeface="Microsoft Yi Baiti"/>
-        <a:font script="Tibt" typeface="Microsoft Himalaya"/>
-        <a:font script="Thaa" typeface="MV Boli"/>
-        <a:font script="Deva" typeface="Mangal"/>
-        <a:font script="Telu" typeface="Gautami"/>
-        <a:font script="Taml" typeface="Latha"/>
-        <a:font script="Syrc" typeface="Estrangelo Edessa"/>
-        <a:font script="Orya" typeface="Kalinga"/>
-        <a:font script="Mlym" typeface="Kartika"/>
-        <a:font script="Laoo" typeface="DokChampa"/>
-        <a:font script="Sinh" typeface="Iskoola Pota"/>
-        <a:font script="Mong" typeface="Mongolian Baiti"/>
-        <a:font script="Viet" typeface="Times New Roman"/>
-        <a:font script="Uigh" typeface="Microsoft Uighur"/>
-        <a:font script="Geor" typeface="Sylfaen"/>
-      </a:majorFont>
-      <a:minorFont>
-        <a:latin typeface="Arial"/>
-        <a:ea typeface=""/>
-        <a:cs typeface=""/>
-        <a:font script="Jpan" typeface="ＭＳ Ｐゴシック"/>
-        <a:font script="Hang" typeface="맑은 고딕"/>
-        <a:font script="Hans" typeface="宋体"/>
-        <a:font script="Hant" typeface="新細明體"/>
-        <a:font script="Arab" typeface="Arial"/>
-        <a:font script="Hebr" typeface="Arial"/>
-        <a:font script="Thai" typeface="Cordia New"/>
-        <a:font script="Ethi" typeface="Nyala"/>
-        <a:font script="Beng" typeface="Vrinda"/>
-        <a:font script="Gujr" typeface="Shruti"/>
-        <a:font script="Khmr" typeface="DaunPenh"/>
-        <a:font script="Knda" typeface="Tunga"/>
-        <a:font script="Guru" typeface="Raavi"/>
-        <a:font script="Cans" typeface="Euphemia"/>
-        <a:font script="Cher" typeface="Plantagenet Cherokee"/>
-        <a:font script="Yiii" typeface="Microsoft Yi Baiti"/>
-        <a:font script="Tibt" typeface="Microsoft Himalaya"/>
-        <a:font script="Thaa" typeface="MV Boli"/>
-        <a:font script="Deva" typeface="Mangal"/>
-        <a:font script="Telu" typeface="Gautami"/>
-        <a:font script="Taml" typeface="Latha"/>
-        <a:font script="Syrc" typeface="Estrangelo Edessa"/>
-        <a:font script="Orya" typeface="Kalinga"/>
-        <a:font script="Mlym" typeface="Kartika"/>
-        <a:font script="Laoo" typeface="DokChampa"/>
-        <a:font script="Sinh" typeface="Iskoola Pota"/>
-        <a:font script="Mong" typeface="Mongolian Baiti"/>
-        <a:font script="Viet" typeface="Arial"/>
-        <a:font script="Uigh" typeface="Microsoft Uighur"/>
-        <a:font script="Geor" typeface="Sylfaen"/>
-      </a:minorFont>
-    </a:fontScheme>
-    <a:fmtScheme name="Office">
-      <a:fillStyleLst>
-        <a:solidFill>
-          <a:schemeClr val="phClr"/>
-        </a:solidFill>
-        <a:gradFill rotWithShape="1">
-          <a:gsLst>
-            <a:gs pos="0">
-              <a:schemeClr val="phClr">
-                <a:tint val="50000"/>
-                <a:satMod val="300000"/>
-              </a:schemeClr>
-            </a:gs>
-            <a:gs pos="35000">
-              <a:schemeClr val="phClr">
-                <a:tint val="37000"/>
-                <a:satMod val="300000"/>
-              </a:schemeClr>
-            </a:gs>
-            <a:gs pos="100000">
-              <a:schemeClr val="phClr">
-                <a:tint val="15000"/>
-                <a:satMod val="350000"/>
-              </a:schemeClr>
-            </a:gs>
-          </a:gsLst>
-          <a:lin ang="16200000" scaled="1"/>
-        </a:gradFill>
-        <a:gradFill rotWithShape="1">
-          <a:gsLst>
-            <a:gs pos="0">
-              <a:schemeClr val="phClr">
-                <a:tint val="100000"/>
-                <a:shade val="100000"/>
-                <a:satMod val="130000"/>
-              </a:schemeClr>
-            </a:gs>
-            <a:gs pos="100000">
-              <a:schemeClr val="phClr">
-                <a:tint val="50000"/>
-                <a:shade val="100000"/>
-                <a:satMod val="350000"/>
-              </a:schemeClr>
-            </a:gs>
-          </a:gsLst>
-          <a:lin ang="16200000" scaled="0"/>
-        </a:gradFill>
-      </a:fillStyleLst>
-      <a:lnStyleLst>
-        <a:ln w="9525" cap="flat" cmpd="sng" algn="ctr">
-          <a:solidFill>
-            <a:schemeClr val="phClr">
-              <a:shade val="95000"/>
-              <a:satMod val="105000"/>
-            </a:schemeClr>
-          </a:solidFill>
-          <a:prstDash val="solid"/>
-        </a:ln>
-        <a:ln w="25400" cap="flat" cmpd="sng" algn="ctr">
-          <a:solidFill>
-            <a:schemeClr val="phClr"/>
-          </a:solidFill>
-          <a:prstDash val="solid"/>
-        </a:ln>
-        <a:ln w="38100" cap="flat" cmpd="sng" algn="ctr">
-          <a:solidFill>
-            <a:schemeClr val="phClr"/>
-          </a:solidFill>
-          <a:prstDash val="solid"/>
-        </a:ln>
-      </a:lnStyleLst>
-      <a:effectStyleLst>
-        <a:effectStyle>
-          <a:effectLst>
-            <a:outerShdw blurRad="40000" dist="20000" dir="5400000" rotWithShape="0">
-              <a:srgbClr val="000000">
-                <a:alpha val="38000"/>
-              </a:srgbClr>
-            </a:outerShdw>
-          </a:effectLst>
-        </a:effectStyle>
-        <a:effectStyle>
-          <a:effectLst>
-            <a:outerShdw blurRad="40000" dist="23000" dir="5400000" rotWithShape="0">
-              <a:srgbClr val="000000">
-                <a:alpha val="35000"/>
-              </a:srgbClr>
-            </a:outerShdw>
-          </a:effectLst>
-        </a:effectStyle>
-        <a:effectStyle>
-          <a:effectLst>
-            <a:outerShdw blurRad="40000" dist="23000" dir="5400000" rotWithShape="0">
-              <a:srgbClr val="000000">
-                <a:alpha val="35000"/>
-              </a:srgbClr>
-            </a:outerShdw>
-          </a:effectLst>
-          <a:scene3d>
-            <a:camera prst="orthographicFront">
-              <a:rot lat="0" lon="0" rev="0"/>
-            </a:camera>
-            <a:lightRig rig="threePt" dir="t">
-              <a:rot lat="0" lon="0" rev="1200000"/>
-            </a:lightRig>
-          </a:scene3d>
-          <a:sp3d>
-            <a:bevelT w="63500" h="25400"/>
-          </a:sp3d>
-        </a:effectStyle>
-      </a:effectStyleLst>
-      <a:bgFillStyleLst>
-        <a:solidFill>
-          <a:schemeClr val="phClr"/>
-        </a:solidFill>
-        <a:gradFill rotWithShape="1">
-          <a:gsLst>
-            <a:gs pos="0">
-              <a:schemeClr val="phClr">
-                <a:tint val="40000"/>
-                <a:satMod val="350000"/>
-              </a:schemeClr>
-            </a:gs>
-            <a:gs pos="40000">
-              <a:schemeClr val="phClr">
-                <a:tint val="45000"/>
-                <a:shade val="99000"/>
-                <a:satMod val="350000"/>
-              </a:schemeClr>
-            </a:gs>
-            <a:gs pos="100000">
-              <a:schemeClr val="phClr">
-                <a:shade val="20000"/>
-                <a:satMod val="255000"/>
-              </a:schemeClr>
-            </a:gs>
-          </a:gsLst>
-          <a:path path="circle">
-            <a:fillToRect l="50000" t="-80000" r="50000" b="180000"/>
-          </a:path>
-        </a:gradFill>
-        <a:gradFill rotWithShape="1">
-          <a:gsLst>
-            <a:gs pos="0">
-              <a:schemeClr val="phClr">
-                <a:tint val="80000"/>
-                <a:satMod val="300000"/>
-              </a:schemeClr>
-            </a:gs>
-            <a:gs pos="100000">
-              <a:schemeClr val="phClr">
-                <a:shade val="30000"/>
-                <a:satMod val="200000"/>
-              </a:schemeClr>
-            </a:gs>
-          </a:gsLst>
-          <a:path path="circle">
-            <a:fillToRect l="50000" t="50000" r="50000" b="50000"/>
-          </a:path>
-        </a:gradFill>
-      </a:bgFillStyleLst>
-    </a:fmtScheme>
-  </a:themeElements>
-</a:theme>
 </file>